--- a/Calculator.pptx
+++ b/Calculator.pptx
@@ -4,9 +4,18 @@
   <p:sldMasterIdLst>
     <p:sldMasterId id="2147483660" r:id="rId1"/>
   </p:sldMasterIdLst>
+  <p:notesMasterIdLst>
+    <p:notesMasterId r:id="rId10"/>
+  </p:notesMasterIdLst>
   <p:sldIdLst>
     <p:sldId id="256" r:id="rId2"/>
     <p:sldId id="257" r:id="rId3"/>
+    <p:sldId id="258" r:id="rId4"/>
+    <p:sldId id="259" r:id="rId5"/>
+    <p:sldId id="260" r:id="rId6"/>
+    <p:sldId id="261" r:id="rId7"/>
+    <p:sldId id="262" r:id="rId8"/>
+    <p:sldId id="263" r:id="rId9"/>
   </p:sldIdLst>
   <p:sldSz cx="12192000" cy="6858000"/>
   <p:notesSz cx="6858000" cy="9144000"/>
@@ -105,7 +114,485 @@
       </a:defRPr>
     </a:lvl9pPr>
   </p:defaultTextStyle>
+  <p:extLst>
+    <p:ext uri="{EFAFB233-063F-42B5-8137-9DF3F51BA10A}">
+      <p15:sldGuideLst xmlns:p15="http://schemas.microsoft.com/office/powerpoint/2012/main"/>
+    </p:ext>
+  </p:extLst>
 </p:presentation>
+</file>
+
+<file path=ppt/notesMasters/notesMaster1.xml><?xml version="1.0" encoding="utf-8"?>
+<p:notesMaster xmlns:a="http://schemas.openxmlformats.org/drawingml/2006/main" xmlns:r="http://schemas.openxmlformats.org/officeDocument/2006/relationships" xmlns:p="http://schemas.openxmlformats.org/presentationml/2006/main">
+  <p:cSld>
+    <p:bg>
+      <p:bgRef idx="1001">
+        <a:schemeClr val="bg1"/>
+      </p:bgRef>
+    </p:bg>
+    <p:spTree>
+      <p:nvGrpSpPr>
+        <p:cNvPr id="1" name=""/>
+        <p:cNvGrpSpPr/>
+        <p:nvPr/>
+      </p:nvGrpSpPr>
+      <p:grpSpPr>
+        <a:xfrm>
+          <a:off x="0" y="0"/>
+          <a:ext cx="0" cy="0"/>
+          <a:chOff x="0" y="0"/>
+          <a:chExt cx="0" cy="0"/>
+        </a:xfrm>
+      </p:grpSpPr>
+      <p:sp>
+        <p:nvSpPr>
+          <p:cNvPr id="2" name="Header Placeholder 1"/>
+          <p:cNvSpPr>
+            <a:spLocks noGrp="1"/>
+          </p:cNvSpPr>
+          <p:nvPr>
+            <p:ph type="hdr" sz="quarter"/>
+          </p:nvPr>
+        </p:nvSpPr>
+        <p:spPr>
+          <a:xfrm>
+            <a:off x="0" y="0"/>
+            <a:ext cx="2971800" cy="458788"/>
+          </a:xfrm>
+          <a:prstGeom prst="rect">
+            <a:avLst/>
+          </a:prstGeom>
+        </p:spPr>
+        <p:txBody>
+          <a:bodyPr vert="horz" lIns="91440" tIns="45720" rIns="91440" bIns="45720" rtlCol="0"/>
+          <a:lstStyle>
+            <a:lvl1pPr algn="l">
+              <a:defRPr sz="1200"/>
+            </a:lvl1pPr>
+          </a:lstStyle>
+          <a:p>
+            <a:endParaRPr lang="en-US"/>
+          </a:p>
+        </p:txBody>
+      </p:sp>
+      <p:sp>
+        <p:nvSpPr>
+          <p:cNvPr id="3" name="Date Placeholder 2"/>
+          <p:cNvSpPr>
+            <a:spLocks noGrp="1"/>
+          </p:cNvSpPr>
+          <p:nvPr>
+            <p:ph type="dt" idx="1"/>
+          </p:nvPr>
+        </p:nvSpPr>
+        <p:spPr>
+          <a:xfrm>
+            <a:off x="3884613" y="0"/>
+            <a:ext cx="2971800" cy="458788"/>
+          </a:xfrm>
+          <a:prstGeom prst="rect">
+            <a:avLst/>
+          </a:prstGeom>
+        </p:spPr>
+        <p:txBody>
+          <a:bodyPr vert="horz" lIns="91440" tIns="45720" rIns="91440" bIns="45720" rtlCol="0"/>
+          <a:lstStyle>
+            <a:lvl1pPr algn="r">
+              <a:defRPr sz="1200"/>
+            </a:lvl1pPr>
+          </a:lstStyle>
+          <a:p>
+            <a:fld id="{41D97C7E-4F03-42E7-90D8-2F68C212665A}" type="datetimeFigureOut">
+              <a:rPr lang="en-US" smtClean="0"/>
+              <a:t>6/2/2021</a:t>
+            </a:fld>
+            <a:endParaRPr lang="en-US"/>
+          </a:p>
+        </p:txBody>
+      </p:sp>
+      <p:sp>
+        <p:nvSpPr>
+          <p:cNvPr id="4" name="Slide Image Placeholder 3"/>
+          <p:cNvSpPr>
+            <a:spLocks noGrp="1" noRot="1" noChangeAspect="1"/>
+          </p:cNvSpPr>
+          <p:nvPr>
+            <p:ph type="sldImg" idx="2"/>
+          </p:nvPr>
+        </p:nvSpPr>
+        <p:spPr>
+          <a:xfrm>
+            <a:off x="685800" y="1143000"/>
+            <a:ext cx="5486400" cy="3086100"/>
+          </a:xfrm>
+          <a:prstGeom prst="rect">
+            <a:avLst/>
+          </a:prstGeom>
+          <a:noFill/>
+          <a:ln w="12700">
+            <a:solidFill>
+              <a:prstClr val="black"/>
+            </a:solidFill>
+          </a:ln>
+        </p:spPr>
+        <p:txBody>
+          <a:bodyPr vert="horz" lIns="91440" tIns="45720" rIns="91440" bIns="45720" rtlCol="0" anchor="ctr"/>
+          <a:lstStyle/>
+          <a:p>
+            <a:endParaRPr lang="en-US"/>
+          </a:p>
+        </p:txBody>
+      </p:sp>
+      <p:sp>
+        <p:nvSpPr>
+          <p:cNvPr id="5" name="Notes Placeholder 4"/>
+          <p:cNvSpPr>
+            <a:spLocks noGrp="1"/>
+          </p:cNvSpPr>
+          <p:nvPr>
+            <p:ph type="body" sz="quarter" idx="3"/>
+          </p:nvPr>
+        </p:nvSpPr>
+        <p:spPr>
+          <a:xfrm>
+            <a:off x="685800" y="4400550"/>
+            <a:ext cx="5486400" cy="3600450"/>
+          </a:xfrm>
+          <a:prstGeom prst="rect">
+            <a:avLst/>
+          </a:prstGeom>
+        </p:spPr>
+        <p:txBody>
+          <a:bodyPr vert="horz" lIns="91440" tIns="45720" rIns="91440" bIns="45720" rtlCol="0"/>
+          <a:lstStyle/>
+          <a:p>
+            <a:pPr lvl="0"/>
+            <a:r>
+              <a:rPr lang="en-US"/>
+              <a:t>Click to edit Master text styles</a:t>
+            </a:r>
+          </a:p>
+          <a:p>
+            <a:pPr lvl="1"/>
+            <a:r>
+              <a:rPr lang="en-US"/>
+              <a:t>Second level</a:t>
+            </a:r>
+          </a:p>
+          <a:p>
+            <a:pPr lvl="2"/>
+            <a:r>
+              <a:rPr lang="en-US"/>
+              <a:t>Third level</a:t>
+            </a:r>
+          </a:p>
+          <a:p>
+            <a:pPr lvl="3"/>
+            <a:r>
+              <a:rPr lang="en-US"/>
+              <a:t>Fourth level</a:t>
+            </a:r>
+          </a:p>
+          <a:p>
+            <a:pPr lvl="4"/>
+            <a:r>
+              <a:rPr lang="en-US"/>
+              <a:t>Fifth level</a:t>
+            </a:r>
+          </a:p>
+        </p:txBody>
+      </p:sp>
+      <p:sp>
+        <p:nvSpPr>
+          <p:cNvPr id="6" name="Footer Placeholder 5"/>
+          <p:cNvSpPr>
+            <a:spLocks noGrp="1"/>
+          </p:cNvSpPr>
+          <p:nvPr>
+            <p:ph type="ftr" sz="quarter" idx="4"/>
+          </p:nvPr>
+        </p:nvSpPr>
+        <p:spPr>
+          <a:xfrm>
+            <a:off x="0" y="8685213"/>
+            <a:ext cx="2971800" cy="458787"/>
+          </a:xfrm>
+          <a:prstGeom prst="rect">
+            <a:avLst/>
+          </a:prstGeom>
+        </p:spPr>
+        <p:txBody>
+          <a:bodyPr vert="horz" lIns="91440" tIns="45720" rIns="91440" bIns="45720" rtlCol="0" anchor="b"/>
+          <a:lstStyle>
+            <a:lvl1pPr algn="l">
+              <a:defRPr sz="1200"/>
+            </a:lvl1pPr>
+          </a:lstStyle>
+          <a:p>
+            <a:endParaRPr lang="en-US"/>
+          </a:p>
+        </p:txBody>
+      </p:sp>
+      <p:sp>
+        <p:nvSpPr>
+          <p:cNvPr id="7" name="Slide Number Placeholder 6"/>
+          <p:cNvSpPr>
+            <a:spLocks noGrp="1"/>
+          </p:cNvSpPr>
+          <p:nvPr>
+            <p:ph type="sldNum" sz="quarter" idx="5"/>
+          </p:nvPr>
+        </p:nvSpPr>
+        <p:spPr>
+          <a:xfrm>
+            <a:off x="3884613" y="8685213"/>
+            <a:ext cx="2971800" cy="458787"/>
+          </a:xfrm>
+          <a:prstGeom prst="rect">
+            <a:avLst/>
+          </a:prstGeom>
+        </p:spPr>
+        <p:txBody>
+          <a:bodyPr vert="horz" lIns="91440" tIns="45720" rIns="91440" bIns="45720" rtlCol="0" anchor="b"/>
+          <a:lstStyle>
+            <a:lvl1pPr algn="r">
+              <a:defRPr sz="1200"/>
+            </a:lvl1pPr>
+          </a:lstStyle>
+          <a:p>
+            <a:fld id="{C3BCBA14-2241-4654-BF99-96E5FD800168}" type="slidenum">
+              <a:rPr lang="en-US" smtClean="0"/>
+              <a:t>‹#›</a:t>
+            </a:fld>
+            <a:endParaRPr lang="en-US"/>
+          </a:p>
+        </p:txBody>
+      </p:sp>
+    </p:spTree>
+    <p:extLst>
+      <p:ext uri="{BB962C8B-B14F-4D97-AF65-F5344CB8AC3E}">
+        <p14:creationId xmlns:p14="http://schemas.microsoft.com/office/powerpoint/2010/main" val="1784341890"/>
+      </p:ext>
+    </p:extLst>
+  </p:cSld>
+  <p:clrMap bg1="lt1" tx1="dk1" bg2="lt2" tx2="dk2" accent1="accent1" accent2="accent2" accent3="accent3" accent4="accent4" accent5="accent5" accent6="accent6" hlink="hlink" folHlink="folHlink"/>
+  <p:notesStyle>
+    <a:lvl1pPr marL="0" algn="l" defTabSz="914400" rtl="0" eaLnBrk="1" latinLnBrk="0" hangingPunct="1">
+      <a:defRPr sz="1200" kern="1200">
+        <a:solidFill>
+          <a:schemeClr val="tx1"/>
+        </a:solidFill>
+        <a:latin typeface="+mn-lt"/>
+        <a:ea typeface="+mn-ea"/>
+        <a:cs typeface="+mn-cs"/>
+      </a:defRPr>
+    </a:lvl1pPr>
+    <a:lvl2pPr marL="457200" algn="l" defTabSz="914400" rtl="0" eaLnBrk="1" latinLnBrk="0" hangingPunct="1">
+      <a:defRPr sz="1200" kern="1200">
+        <a:solidFill>
+          <a:schemeClr val="tx1"/>
+        </a:solidFill>
+        <a:latin typeface="+mn-lt"/>
+        <a:ea typeface="+mn-ea"/>
+        <a:cs typeface="+mn-cs"/>
+      </a:defRPr>
+    </a:lvl2pPr>
+    <a:lvl3pPr marL="914400" algn="l" defTabSz="914400" rtl="0" eaLnBrk="1" latinLnBrk="0" hangingPunct="1">
+      <a:defRPr sz="1200" kern="1200">
+        <a:solidFill>
+          <a:schemeClr val="tx1"/>
+        </a:solidFill>
+        <a:latin typeface="+mn-lt"/>
+        <a:ea typeface="+mn-ea"/>
+        <a:cs typeface="+mn-cs"/>
+      </a:defRPr>
+    </a:lvl3pPr>
+    <a:lvl4pPr marL="1371600" algn="l" defTabSz="914400" rtl="0" eaLnBrk="1" latinLnBrk="0" hangingPunct="1">
+      <a:defRPr sz="1200" kern="1200">
+        <a:solidFill>
+          <a:schemeClr val="tx1"/>
+        </a:solidFill>
+        <a:latin typeface="+mn-lt"/>
+        <a:ea typeface="+mn-ea"/>
+        <a:cs typeface="+mn-cs"/>
+      </a:defRPr>
+    </a:lvl4pPr>
+    <a:lvl5pPr marL="1828800" algn="l" defTabSz="914400" rtl="0" eaLnBrk="1" latinLnBrk="0" hangingPunct="1">
+      <a:defRPr sz="1200" kern="1200">
+        <a:solidFill>
+          <a:schemeClr val="tx1"/>
+        </a:solidFill>
+        <a:latin typeface="+mn-lt"/>
+        <a:ea typeface="+mn-ea"/>
+        <a:cs typeface="+mn-cs"/>
+      </a:defRPr>
+    </a:lvl5pPr>
+    <a:lvl6pPr marL="2286000" algn="l" defTabSz="914400" rtl="0" eaLnBrk="1" latinLnBrk="0" hangingPunct="1">
+      <a:defRPr sz="1200" kern="1200">
+        <a:solidFill>
+          <a:schemeClr val="tx1"/>
+        </a:solidFill>
+        <a:latin typeface="+mn-lt"/>
+        <a:ea typeface="+mn-ea"/>
+        <a:cs typeface="+mn-cs"/>
+      </a:defRPr>
+    </a:lvl6pPr>
+    <a:lvl7pPr marL="2743200" algn="l" defTabSz="914400" rtl="0" eaLnBrk="1" latinLnBrk="0" hangingPunct="1">
+      <a:defRPr sz="1200" kern="1200">
+        <a:solidFill>
+          <a:schemeClr val="tx1"/>
+        </a:solidFill>
+        <a:latin typeface="+mn-lt"/>
+        <a:ea typeface="+mn-ea"/>
+        <a:cs typeface="+mn-cs"/>
+      </a:defRPr>
+    </a:lvl7pPr>
+    <a:lvl8pPr marL="3200400" algn="l" defTabSz="914400" rtl="0" eaLnBrk="1" latinLnBrk="0" hangingPunct="1">
+      <a:defRPr sz="1200" kern="1200">
+        <a:solidFill>
+          <a:schemeClr val="tx1"/>
+        </a:solidFill>
+        <a:latin typeface="+mn-lt"/>
+        <a:ea typeface="+mn-ea"/>
+        <a:cs typeface="+mn-cs"/>
+      </a:defRPr>
+    </a:lvl8pPr>
+    <a:lvl9pPr marL="3657600" algn="l" defTabSz="914400" rtl="0" eaLnBrk="1" latinLnBrk="0" hangingPunct="1">
+      <a:defRPr sz="1200" kern="1200">
+        <a:solidFill>
+          <a:schemeClr val="tx1"/>
+        </a:solidFill>
+        <a:latin typeface="+mn-lt"/>
+        <a:ea typeface="+mn-ea"/>
+        <a:cs typeface="+mn-cs"/>
+      </a:defRPr>
+    </a:lvl9pPr>
+  </p:notesStyle>
+</p:notesMaster>
+</file>
+
+<file path=ppt/notesSlides/notesSlide1.xml><?xml version="1.0" encoding="utf-8"?>
+<p:notes xmlns:a="http://schemas.openxmlformats.org/drawingml/2006/main" xmlns:r="http://schemas.openxmlformats.org/officeDocument/2006/relationships" xmlns:p="http://schemas.openxmlformats.org/presentationml/2006/main">
+  <p:cSld>
+    <p:spTree>
+      <p:nvGrpSpPr>
+        <p:cNvPr id="1" name=""/>
+        <p:cNvGrpSpPr/>
+        <p:nvPr/>
+      </p:nvGrpSpPr>
+      <p:grpSpPr>
+        <a:xfrm>
+          <a:off x="0" y="0"/>
+          <a:ext cx="0" cy="0"/>
+          <a:chOff x="0" y="0"/>
+          <a:chExt cx="0" cy="0"/>
+        </a:xfrm>
+      </p:grpSpPr>
+      <p:sp>
+        <p:nvSpPr>
+          <p:cNvPr id="2" name="Slide Image Placeholder 1"/>
+          <p:cNvSpPr>
+            <a:spLocks noGrp="1" noRot="1" noChangeAspect="1"/>
+          </p:cNvSpPr>
+          <p:nvPr>
+            <p:ph type="sldImg"/>
+          </p:nvPr>
+        </p:nvSpPr>
+        <p:spPr/>
+      </p:sp>
+      <p:sp>
+        <p:nvSpPr>
+          <p:cNvPr id="3" name="Notes Placeholder 2"/>
+          <p:cNvSpPr>
+            <a:spLocks noGrp="1"/>
+          </p:cNvSpPr>
+          <p:nvPr>
+            <p:ph type="body" idx="1"/>
+          </p:nvPr>
+        </p:nvSpPr>
+        <p:spPr/>
+        <p:txBody>
+          <a:bodyPr/>
+          <a:lstStyle/>
+          <a:p>
+            <a:pPr marL="0" marR="0" lvl="0" indent="0" algn="l" defTabSz="914400" rtl="0" eaLnBrk="1" fontAlgn="auto" latinLnBrk="0" hangingPunct="1">
+              <a:lnSpc>
+                <a:spcPct val="100000"/>
+              </a:lnSpc>
+              <a:spcBef>
+                <a:spcPts val="0"/>
+              </a:spcBef>
+              <a:spcAft>
+                <a:spcPts val="0"/>
+              </a:spcAft>
+              <a:buClrTx/>
+              <a:buSzTx/>
+              <a:buFontTx/>
+              <a:buNone/>
+              <a:tabLst/>
+              <a:defRPr/>
+            </a:pPr>
+            <a:r>
+              <a:rPr lang="en-US" dirty="0"/>
+              <a:t>Source Code:</a:t>
+            </a:r>
+            <a:br>
+              <a:rPr lang="en-US" dirty="0"/>
+            </a:br>
+            <a:r>
+              <a:rPr lang="en-US" b="0" i="1" dirty="0">
+                <a:solidFill>
+                  <a:srgbClr val="676E95"/>
+                </a:solidFill>
+                <a:effectLst/>
+                <a:latin typeface="Fira Code" panose="020B0809050000020004" pitchFamily="49" charset="0"/>
+              </a:rPr>
+              <a:t>https://www.geeksforgeeks.org/java-swing-simple-calculator/</a:t>
+            </a:r>
+            <a:endParaRPr lang="en-US" b="0" dirty="0">
+              <a:solidFill>
+                <a:srgbClr val="A6ACCD"/>
+              </a:solidFill>
+              <a:effectLst/>
+              <a:latin typeface="Fira Code" panose="020B0809050000020004" pitchFamily="49" charset="0"/>
+            </a:endParaRPr>
+          </a:p>
+        </p:txBody>
+      </p:sp>
+      <p:sp>
+        <p:nvSpPr>
+          <p:cNvPr id="4" name="Slide Number Placeholder 3"/>
+          <p:cNvSpPr>
+            <a:spLocks noGrp="1"/>
+          </p:cNvSpPr>
+          <p:nvPr>
+            <p:ph type="sldNum" sz="quarter" idx="5"/>
+          </p:nvPr>
+        </p:nvSpPr>
+        <p:spPr/>
+        <p:txBody>
+          <a:bodyPr/>
+          <a:lstStyle/>
+          <a:p>
+            <a:fld id="{C3BCBA14-2241-4654-BF99-96E5FD800168}" type="slidenum">
+              <a:rPr lang="en-US" smtClean="0"/>
+              <a:t>4</a:t>
+            </a:fld>
+            <a:endParaRPr lang="en-US"/>
+          </a:p>
+        </p:txBody>
+      </p:sp>
+    </p:spTree>
+    <p:extLst>
+      <p:ext uri="{BB962C8B-B14F-4D97-AF65-F5344CB8AC3E}">
+        <p14:creationId xmlns:p14="http://schemas.microsoft.com/office/powerpoint/2010/main" val="2739333468"/>
+      </p:ext>
+    </p:extLst>
+  </p:cSld>
+  <p:clrMapOvr>
+    <a:masterClrMapping/>
+  </p:clrMapOvr>
+</p:notes>
 </file>
 
 <file path=ppt/slideLayouts/slideLayout1.xml><?xml version="1.0" encoding="utf-8"?>
@@ -276,7 +763,7 @@
           <a:p>
             <a:fld id="{CACEA6C1-A70F-4C5D-81D3-E9D898F66793}" type="datetimeFigureOut">
               <a:rPr lang="en-US" smtClean="0"/>
-              <a:t>6/1/2021</a:t>
+              <a:t>6/2/2021</a:t>
             </a:fld>
             <a:endParaRPr lang="en-US"/>
           </a:p>
@@ -504,7 +991,7 @@
           <a:p>
             <a:fld id="{CACEA6C1-A70F-4C5D-81D3-E9D898F66793}" type="datetimeFigureOut">
               <a:rPr lang="en-US" smtClean="0"/>
-              <a:t>6/1/2021</a:t>
+              <a:t>6/2/2021</a:t>
             </a:fld>
             <a:endParaRPr lang="en-US"/>
           </a:p>
@@ -684,7 +1171,7 @@
           <a:p>
             <a:fld id="{CACEA6C1-A70F-4C5D-81D3-E9D898F66793}" type="datetimeFigureOut">
               <a:rPr lang="en-US" smtClean="0"/>
-              <a:t>6/1/2021</a:t>
+              <a:t>6/2/2021</a:t>
             </a:fld>
             <a:endParaRPr lang="en-US"/>
           </a:p>
@@ -854,7 +1341,7 @@
           <a:p>
             <a:fld id="{CACEA6C1-A70F-4C5D-81D3-E9D898F66793}" type="datetimeFigureOut">
               <a:rPr lang="en-US" smtClean="0"/>
-              <a:t>6/1/2021</a:t>
+              <a:t>6/2/2021</a:t>
             </a:fld>
             <a:endParaRPr lang="en-US"/>
           </a:p>
@@ -1108,7 +1595,7 @@
           <a:p>
             <a:fld id="{CACEA6C1-A70F-4C5D-81D3-E9D898F66793}" type="datetimeFigureOut">
               <a:rPr lang="en-US" smtClean="0"/>
-              <a:t>6/1/2021</a:t>
+              <a:t>6/2/2021</a:t>
             </a:fld>
             <a:endParaRPr lang="en-US"/>
           </a:p>
@@ -1434,7 +1921,7 @@
           <a:p>
             <a:fld id="{CACEA6C1-A70F-4C5D-81D3-E9D898F66793}" type="datetimeFigureOut">
               <a:rPr lang="en-US" smtClean="0"/>
-              <a:t>6/1/2021</a:t>
+              <a:t>6/2/2021</a:t>
             </a:fld>
             <a:endParaRPr lang="en-US"/>
           </a:p>
@@ -1885,7 +2372,7 @@
           <a:p>
             <a:fld id="{CACEA6C1-A70F-4C5D-81D3-E9D898F66793}" type="datetimeFigureOut">
               <a:rPr lang="en-US" smtClean="0"/>
-              <a:t>6/1/2021</a:t>
+              <a:t>6/2/2021</a:t>
             </a:fld>
             <a:endParaRPr lang="en-US"/>
           </a:p>
@@ -2003,7 +2490,7 @@
           <a:p>
             <a:fld id="{CACEA6C1-A70F-4C5D-81D3-E9D898F66793}" type="datetimeFigureOut">
               <a:rPr lang="en-US" smtClean="0"/>
-              <a:t>6/1/2021</a:t>
+              <a:t>6/2/2021</a:t>
             </a:fld>
             <a:endParaRPr lang="en-US"/>
           </a:p>
@@ -2098,7 +2585,7 @@
           <a:p>
             <a:fld id="{CACEA6C1-A70F-4C5D-81D3-E9D898F66793}" type="datetimeFigureOut">
               <a:rPr lang="en-US" smtClean="0"/>
-              <a:t>6/1/2021</a:t>
+              <a:t>6/2/2021</a:t>
             </a:fld>
             <a:endParaRPr lang="en-US"/>
           </a:p>
@@ -2385,7 +2872,7 @@
           <a:p>
             <a:fld id="{CACEA6C1-A70F-4C5D-81D3-E9D898F66793}" type="datetimeFigureOut">
               <a:rPr lang="en-US" smtClean="0"/>
-              <a:t>6/1/2021</a:t>
+              <a:t>6/2/2021</a:t>
             </a:fld>
             <a:endParaRPr lang="en-US"/>
           </a:p>
@@ -2707,7 +3194,7 @@
           <a:p>
             <a:fld id="{CACEA6C1-A70F-4C5D-81D3-E9D898F66793}" type="datetimeFigureOut">
               <a:rPr lang="en-US" smtClean="0"/>
-              <a:t>6/1/2021</a:t>
+              <a:t>6/2/2021</a:t>
             </a:fld>
             <a:endParaRPr lang="en-US"/>
           </a:p>
@@ -2961,7 +3448,7 @@
           <a:p>
             <a:fld id="{CACEA6C1-A70F-4C5D-81D3-E9D898F66793}" type="datetimeFigureOut">
               <a:rPr lang="en-US" smtClean="0"/>
-              <a:t>6/1/2021</a:t>
+              <a:t>6/2/2021</a:t>
             </a:fld>
             <a:endParaRPr lang="en-US"/>
           </a:p>
@@ -3499,6 +3986,14 @@
           <a:bodyPr/>
           <a:lstStyle/>
           <a:p>
+            <a:r>
+              <a:rPr lang="en-GB" dirty="0"/>
+              <a:t>By: Abdul </a:t>
+            </a:r>
+            <a:r>
+              <a:rPr lang="en-GB"/>
+              <a:t>Mateen Khilji (033-19-0008)</a:t>
+            </a:r>
             <a:endParaRPr lang="en-US" dirty="0"/>
           </a:p>
         </p:txBody>
@@ -3554,7 +4049,11 @@
           <a:bodyPr/>
           <a:lstStyle/>
           <a:p>
-            <a:endParaRPr lang="en-US"/>
+            <a:r>
+              <a:rPr lang="en-GB" dirty="0"/>
+              <a:t>GRAPHICAL USER-INTERFACE (GUI)</a:t>
+            </a:r>
+            <a:endParaRPr lang="en-US" dirty="0"/>
           </a:p>
         </p:txBody>
       </p:sp>
@@ -3579,7 +4078,23 @@
           <a:bodyPr/>
           <a:lstStyle/>
           <a:p>
-            <a:endParaRPr lang="en-US"/>
+            <a:r>
+              <a:rPr lang="en-GB" dirty="0"/>
+              <a:t>GUI typically stands for Graphical User-Interface (UI). It implies a framework in which, certain graphics exist, or to be more precise, come into being after the execution of a certain program. </a:t>
+            </a:r>
+          </a:p>
+          <a:p>
+            <a:r>
+              <a:rPr lang="en-GB" dirty="0"/>
+              <a:t>The UI, which displays everything to the user at the front-end, executes the programs consecutively in the back-end. In short, the UI only displays which is ordered by the programmer.</a:t>
+            </a:r>
+          </a:p>
+          <a:p>
+            <a:r>
+              <a:rPr lang="en-GB" dirty="0"/>
+              <a:t>The way we interact with our computers daily, is also user-interface. Nonetheless, the UIs vary depending upon the programmer how he wants it to be and, in the back-end, the necessary block of programs will be taking places as per their instructions.</a:t>
+            </a:r>
+            <a:endParaRPr lang="en-US" dirty="0"/>
           </a:p>
         </p:txBody>
       </p:sp>
@@ -3587,6 +4102,1131 @@
     <p:extLst>
       <p:ext uri="{BB962C8B-B14F-4D97-AF65-F5344CB8AC3E}">
         <p14:creationId xmlns:p14="http://schemas.microsoft.com/office/powerpoint/2010/main" val="3708042157"/>
+      </p:ext>
+    </p:extLst>
+  </p:cSld>
+  <p:clrMapOvr>
+    <a:masterClrMapping/>
+  </p:clrMapOvr>
+</p:sld>
+</file>
+
+<file path=ppt/slides/slide3.xml><?xml version="1.0" encoding="utf-8"?>
+<p:sld xmlns:a="http://schemas.openxmlformats.org/drawingml/2006/main" xmlns:r="http://schemas.openxmlformats.org/officeDocument/2006/relationships" xmlns:p="http://schemas.openxmlformats.org/presentationml/2006/main">
+  <p:cSld>
+    <p:spTree>
+      <p:nvGrpSpPr>
+        <p:cNvPr id="1" name=""/>
+        <p:cNvGrpSpPr/>
+        <p:nvPr/>
+      </p:nvGrpSpPr>
+      <p:grpSpPr>
+        <a:xfrm>
+          <a:off x="0" y="0"/>
+          <a:ext cx="0" cy="0"/>
+          <a:chOff x="0" y="0"/>
+          <a:chExt cx="0" cy="0"/>
+        </a:xfrm>
+      </p:grpSpPr>
+      <p:sp>
+        <p:nvSpPr>
+          <p:cNvPr id="2" name="Title 1">
+            <a:extLst>
+              <a:ext uri="{FF2B5EF4-FFF2-40B4-BE49-F238E27FC236}">
+                <a16:creationId xmlns:a16="http://schemas.microsoft.com/office/drawing/2014/main" id="{A495251D-35A1-4695-B8A5-68446952F654}"/>
+              </a:ext>
+            </a:extLst>
+          </p:cNvPr>
+          <p:cNvSpPr>
+            <a:spLocks noGrp="1"/>
+          </p:cNvSpPr>
+          <p:nvPr>
+            <p:ph type="title"/>
+          </p:nvPr>
+        </p:nvSpPr>
+        <p:spPr/>
+        <p:txBody>
+          <a:bodyPr/>
+          <a:lstStyle/>
+          <a:p>
+            <a:r>
+              <a:rPr lang="en-US" dirty="0"/>
+              <a:t>GUI IN JAVA</a:t>
+            </a:r>
+          </a:p>
+        </p:txBody>
+      </p:sp>
+      <p:sp>
+        <p:nvSpPr>
+          <p:cNvPr id="3" name="Content Placeholder 2">
+            <a:extLst>
+              <a:ext uri="{FF2B5EF4-FFF2-40B4-BE49-F238E27FC236}">
+                <a16:creationId xmlns:a16="http://schemas.microsoft.com/office/drawing/2014/main" id="{45809D46-7B82-4FFF-842F-FA1E2B35CA2C}"/>
+              </a:ext>
+            </a:extLst>
+          </p:cNvPr>
+          <p:cNvSpPr>
+            <a:spLocks noGrp="1"/>
+          </p:cNvSpPr>
+          <p:nvPr>
+            <p:ph idx="1"/>
+          </p:nvPr>
+        </p:nvSpPr>
+        <p:spPr/>
+        <p:txBody>
+          <a:bodyPr/>
+          <a:lstStyle/>
+          <a:p>
+            <a:r>
+              <a:rPr lang="en-US" dirty="0"/>
+              <a:t>UI in Java is carried out to perform some certain actions and display the results to the user. For the convenience of the user, the UI is made in such a way that the user can understand each and everything that what’s going on!</a:t>
+            </a:r>
+          </a:p>
+          <a:p>
+            <a:r>
+              <a:rPr lang="en-US" dirty="0"/>
+              <a:t>To create the applications, the GUI in Java was introduced. In our daily life, we come across many applications in computers and almost all of them are created using Java and many other languages.</a:t>
+            </a:r>
+          </a:p>
+          <a:p>
+            <a:endParaRPr lang="en-US" dirty="0"/>
+          </a:p>
+        </p:txBody>
+      </p:sp>
+    </p:spTree>
+    <p:extLst>
+      <p:ext uri="{BB962C8B-B14F-4D97-AF65-F5344CB8AC3E}">
+        <p14:creationId xmlns:p14="http://schemas.microsoft.com/office/powerpoint/2010/main" val="2439259670"/>
+      </p:ext>
+    </p:extLst>
+  </p:cSld>
+  <p:clrMapOvr>
+    <a:masterClrMapping/>
+  </p:clrMapOvr>
+</p:sld>
+</file>
+
+<file path=ppt/slides/slide4.xml><?xml version="1.0" encoding="utf-8"?>
+<p:sld xmlns:a="http://schemas.openxmlformats.org/drawingml/2006/main" xmlns:r="http://schemas.openxmlformats.org/officeDocument/2006/relationships" xmlns:p="http://schemas.openxmlformats.org/presentationml/2006/main">
+  <p:cSld>
+    <p:bg>
+      <p:bgPr>
+        <a:solidFill>
+          <a:schemeClr val="bg1"/>
+        </a:solidFill>
+        <a:effectLst/>
+      </p:bgPr>
+    </p:bg>
+    <p:spTree>
+      <p:nvGrpSpPr>
+        <p:cNvPr id="1" name=""/>
+        <p:cNvGrpSpPr/>
+        <p:nvPr/>
+      </p:nvGrpSpPr>
+      <p:grpSpPr>
+        <a:xfrm>
+          <a:off x="0" y="0"/>
+          <a:ext cx="0" cy="0"/>
+          <a:chOff x="0" y="0"/>
+          <a:chExt cx="0" cy="0"/>
+        </a:xfrm>
+      </p:grpSpPr>
+      <p:sp>
+        <p:nvSpPr>
+          <p:cNvPr id="2" name="Title 1">
+            <a:extLst>
+              <a:ext uri="{FF2B5EF4-FFF2-40B4-BE49-F238E27FC236}">
+                <a16:creationId xmlns:a16="http://schemas.microsoft.com/office/drawing/2014/main" id="{56B86199-EFEE-4499-A5AC-C85671934CAB}"/>
+              </a:ext>
+            </a:extLst>
+          </p:cNvPr>
+          <p:cNvSpPr>
+            <a:spLocks noGrp="1"/>
+          </p:cNvSpPr>
+          <p:nvPr>
+            <p:ph type="title"/>
+          </p:nvPr>
+        </p:nvSpPr>
+        <p:spPr>
+          <a:xfrm>
+            <a:off x="1261872" y="365760"/>
+            <a:ext cx="9692640" cy="1325562"/>
+          </a:xfrm>
+        </p:spPr>
+        <p:txBody>
+          <a:bodyPr>
+            <a:normAutofit/>
+          </a:bodyPr>
+          <a:lstStyle/>
+          <a:p>
+            <a:r>
+              <a:rPr lang="en-US" dirty="0"/>
+              <a:t>CALCULATOR GUI</a:t>
+            </a:r>
+          </a:p>
+        </p:txBody>
+      </p:sp>
+      <p:pic>
+        <p:nvPicPr>
+          <p:cNvPr id="5" name="Picture 4">
+            <a:extLst>
+              <a:ext uri="{FF2B5EF4-FFF2-40B4-BE49-F238E27FC236}">
+                <a16:creationId xmlns:a16="http://schemas.microsoft.com/office/drawing/2014/main" id="{D4C0617B-22EA-442A-8852-C831B64ACC41}"/>
+              </a:ext>
+            </a:extLst>
+          </p:cNvPr>
+          <p:cNvPicPr>
+            <a:picLocks noChangeAspect="1"/>
+          </p:cNvPicPr>
+          <p:nvPr/>
+        </p:nvPicPr>
+        <p:blipFill>
+          <a:blip r:embed="rId3"/>
+          <a:stretch>
+            <a:fillRect/>
+          </a:stretch>
+        </p:blipFill>
+        <p:spPr>
+          <a:xfrm>
+            <a:off x="1303137" y="2011886"/>
+            <a:ext cx="3304622" cy="3483249"/>
+          </a:xfrm>
+          <a:prstGeom prst="rect">
+            <a:avLst/>
+          </a:prstGeom>
+        </p:spPr>
+      </p:pic>
+      <p:sp>
+        <p:nvSpPr>
+          <p:cNvPr id="3" name="Content Placeholder 2">
+            <a:extLst>
+              <a:ext uri="{FF2B5EF4-FFF2-40B4-BE49-F238E27FC236}">
+                <a16:creationId xmlns:a16="http://schemas.microsoft.com/office/drawing/2014/main" id="{85578C07-5446-45A7-9E0C-20F7C1C7DCC2}"/>
+              </a:ext>
+            </a:extLst>
+          </p:cNvPr>
+          <p:cNvSpPr>
+            <a:spLocks noGrp="1"/>
+          </p:cNvSpPr>
+          <p:nvPr>
+            <p:ph idx="1"/>
+          </p:nvPr>
+        </p:nvSpPr>
+        <p:spPr>
+          <a:xfrm>
+            <a:off x="5078834" y="1933575"/>
+            <a:ext cx="5875678" cy="4246562"/>
+          </a:xfrm>
+        </p:spPr>
+        <p:txBody>
+          <a:bodyPr>
+            <a:normAutofit/>
+          </a:bodyPr>
+          <a:lstStyle/>
+          <a:p>
+            <a:r>
+              <a:rPr lang="en-US" dirty="0"/>
+              <a:t>I have found a simple yet neat and clan GUI for Calculator in Java that computes basic mathematical expressions, i.e., addition, subtraction and so on.</a:t>
+            </a:r>
+          </a:p>
+          <a:p>
+            <a:r>
+              <a:rPr lang="en-US" dirty="0"/>
+              <a:t>The program executes multiple libraries to provide the user with its own UI. It contains text-field, frame-work library and some clickable buttons library.</a:t>
+            </a:r>
+          </a:p>
+          <a:p>
+            <a:endParaRPr lang="en-US" dirty="0"/>
+          </a:p>
+        </p:txBody>
+      </p:sp>
+    </p:spTree>
+    <p:extLst>
+      <p:ext uri="{BB962C8B-B14F-4D97-AF65-F5344CB8AC3E}">
+        <p14:creationId xmlns:p14="http://schemas.microsoft.com/office/powerpoint/2010/main" val="1238952823"/>
+      </p:ext>
+    </p:extLst>
+  </p:cSld>
+  <p:clrMapOvr>
+    <a:masterClrMapping/>
+  </p:clrMapOvr>
+</p:sld>
+</file>
+
+<file path=ppt/slides/slide5.xml><?xml version="1.0" encoding="utf-8"?>
+<p:sld xmlns:a="http://schemas.openxmlformats.org/drawingml/2006/main" xmlns:r="http://schemas.openxmlformats.org/officeDocument/2006/relationships" xmlns:p="http://schemas.openxmlformats.org/presentationml/2006/main">
+  <p:cSld>
+    <p:spTree>
+      <p:nvGrpSpPr>
+        <p:cNvPr id="1" name=""/>
+        <p:cNvGrpSpPr/>
+        <p:nvPr/>
+      </p:nvGrpSpPr>
+      <p:grpSpPr>
+        <a:xfrm>
+          <a:off x="0" y="0"/>
+          <a:ext cx="0" cy="0"/>
+          <a:chOff x="0" y="0"/>
+          <a:chExt cx="0" cy="0"/>
+        </a:xfrm>
+      </p:grpSpPr>
+      <p:sp>
+        <p:nvSpPr>
+          <p:cNvPr id="2" name="Title 1">
+            <a:extLst>
+              <a:ext uri="{FF2B5EF4-FFF2-40B4-BE49-F238E27FC236}">
+                <a16:creationId xmlns:a16="http://schemas.microsoft.com/office/drawing/2014/main" id="{61ADE736-3A2B-4DED-B5E9-C268FDB1AF4D}"/>
+              </a:ext>
+            </a:extLst>
+          </p:cNvPr>
+          <p:cNvSpPr>
+            <a:spLocks noGrp="1"/>
+          </p:cNvSpPr>
+          <p:nvPr>
+            <p:ph type="title"/>
+          </p:nvPr>
+        </p:nvSpPr>
+        <p:spPr/>
+        <p:txBody>
+          <a:bodyPr/>
+          <a:lstStyle/>
+          <a:p>
+            <a:r>
+              <a:rPr lang="en-US" dirty="0"/>
+              <a:t>LIBRARIES USED</a:t>
+            </a:r>
+          </a:p>
+        </p:txBody>
+      </p:sp>
+      <p:sp>
+        <p:nvSpPr>
+          <p:cNvPr id="3" name="Content Placeholder 2">
+            <a:extLst>
+              <a:ext uri="{FF2B5EF4-FFF2-40B4-BE49-F238E27FC236}">
+                <a16:creationId xmlns:a16="http://schemas.microsoft.com/office/drawing/2014/main" id="{0150455B-2AB2-45AD-9060-0F756C53748F}"/>
+              </a:ext>
+            </a:extLst>
+          </p:cNvPr>
+          <p:cNvSpPr>
+            <a:spLocks noGrp="1"/>
+          </p:cNvSpPr>
+          <p:nvPr>
+            <p:ph idx="1"/>
+          </p:nvPr>
+        </p:nvSpPr>
+        <p:spPr/>
+        <p:txBody>
+          <a:bodyPr/>
+          <a:lstStyle/>
+          <a:p>
+            <a:r>
+              <a:rPr lang="en-US" dirty="0"/>
+              <a:t>The program makes use of frame-work library, text-field library along with clickable buttons library to make the UI interactive for the user.</a:t>
+            </a:r>
+          </a:p>
+          <a:p>
+            <a:r>
+              <a:rPr lang="en-US" dirty="0"/>
+              <a:t>Frame-work library creates a specified frame (Say suppose: 200x200) and in it are provided the rest of the information / stuff that might be useful for the user.</a:t>
+            </a:r>
+          </a:p>
+          <a:p>
+            <a:r>
+              <a:rPr lang="en-US" dirty="0"/>
+              <a:t>Text-Field library makes an empty input in which, the input from the user can be taken or the output can be shown (If it’s readable). </a:t>
+            </a:r>
+          </a:p>
+          <a:p>
+            <a:r>
+              <a:rPr lang="en-US" dirty="0"/>
+              <a:t>ActionListener library takes notice of the buttons that were pressed / clicked and returns to the specific program with that information. In our case, the buttons will be provided and will be taken care of in the back-end.			</a:t>
+            </a:r>
+          </a:p>
+        </p:txBody>
+      </p:sp>
+    </p:spTree>
+    <p:extLst>
+      <p:ext uri="{BB962C8B-B14F-4D97-AF65-F5344CB8AC3E}">
+        <p14:creationId xmlns:p14="http://schemas.microsoft.com/office/powerpoint/2010/main" val="3705978623"/>
+      </p:ext>
+    </p:extLst>
+  </p:cSld>
+  <p:clrMapOvr>
+    <a:masterClrMapping/>
+  </p:clrMapOvr>
+</p:sld>
+</file>
+
+<file path=ppt/slides/slide6.xml><?xml version="1.0" encoding="utf-8"?>
+<p:sld xmlns:a="http://schemas.openxmlformats.org/drawingml/2006/main" xmlns:r="http://schemas.openxmlformats.org/officeDocument/2006/relationships" xmlns:p="http://schemas.openxmlformats.org/presentationml/2006/main">
+  <p:cSld>
+    <p:spTree>
+      <p:nvGrpSpPr>
+        <p:cNvPr id="1" name=""/>
+        <p:cNvGrpSpPr/>
+        <p:nvPr/>
+      </p:nvGrpSpPr>
+      <p:grpSpPr>
+        <a:xfrm>
+          <a:off x="0" y="0"/>
+          <a:ext cx="0" cy="0"/>
+          <a:chOff x="0" y="0"/>
+          <a:chExt cx="0" cy="0"/>
+        </a:xfrm>
+      </p:grpSpPr>
+      <p:sp>
+        <p:nvSpPr>
+          <p:cNvPr id="2" name="Title 1">
+            <a:extLst>
+              <a:ext uri="{FF2B5EF4-FFF2-40B4-BE49-F238E27FC236}">
+                <a16:creationId xmlns:a16="http://schemas.microsoft.com/office/drawing/2014/main" id="{88BE3134-0948-4553-9E95-5335E8AB349F}"/>
+              </a:ext>
+            </a:extLst>
+          </p:cNvPr>
+          <p:cNvSpPr>
+            <a:spLocks noGrp="1"/>
+          </p:cNvSpPr>
+          <p:nvPr>
+            <p:ph type="title"/>
+          </p:nvPr>
+        </p:nvSpPr>
+        <p:spPr/>
+        <p:txBody>
+          <a:bodyPr/>
+          <a:lstStyle/>
+          <a:p>
+            <a:r>
+              <a:rPr lang="en-US" dirty="0"/>
+              <a:t>LIBRARIES USED</a:t>
+            </a:r>
+          </a:p>
+        </p:txBody>
+      </p:sp>
+      <p:pic>
+        <p:nvPicPr>
+          <p:cNvPr id="5" name="Content Placeholder 4">
+            <a:extLst>
+              <a:ext uri="{FF2B5EF4-FFF2-40B4-BE49-F238E27FC236}">
+                <a16:creationId xmlns:a16="http://schemas.microsoft.com/office/drawing/2014/main" id="{6A2F15DD-D9DD-42B8-824C-639B4B5ADE52}"/>
+              </a:ext>
+            </a:extLst>
+          </p:cNvPr>
+          <p:cNvPicPr>
+            <a:picLocks noGrp="1" noChangeAspect="1"/>
+          </p:cNvPicPr>
+          <p:nvPr>
+            <p:ph idx="1"/>
+          </p:nvPr>
+        </p:nvPicPr>
+        <p:blipFill>
+          <a:blip r:embed="rId2"/>
+          <a:stretch>
+            <a:fillRect/>
+          </a:stretch>
+        </p:blipFill>
+        <p:spPr>
+          <a:xfrm>
+            <a:off x="4374776" y="2762804"/>
+            <a:ext cx="2339789" cy="2452400"/>
+          </a:xfrm>
+        </p:spPr>
+      </p:pic>
+      <p:sp>
+        <p:nvSpPr>
+          <p:cNvPr id="10" name="Arrow: Right 9">
+            <a:extLst>
+              <a:ext uri="{FF2B5EF4-FFF2-40B4-BE49-F238E27FC236}">
+                <a16:creationId xmlns:a16="http://schemas.microsoft.com/office/drawing/2014/main" id="{D8F35EF4-85AA-41CB-AC83-92B71B150B5C}"/>
+              </a:ext>
+            </a:extLst>
+          </p:cNvPr>
+          <p:cNvSpPr/>
+          <p:nvPr/>
+        </p:nvSpPr>
+        <p:spPr>
+          <a:xfrm>
+            <a:off x="6714565" y="3031745"/>
+            <a:ext cx="1004047" cy="132796"/>
+          </a:xfrm>
+          <a:prstGeom prst="rightArrow">
+            <a:avLst/>
+          </a:prstGeom>
+        </p:spPr>
+        <p:style>
+          <a:lnRef idx="2">
+            <a:schemeClr val="accent1">
+              <a:shade val="50000"/>
+            </a:schemeClr>
+          </a:lnRef>
+          <a:fillRef idx="1">
+            <a:schemeClr val="accent1"/>
+          </a:fillRef>
+          <a:effectRef idx="0">
+            <a:schemeClr val="accent1"/>
+          </a:effectRef>
+          <a:fontRef idx="minor">
+            <a:schemeClr val="lt1"/>
+          </a:fontRef>
+        </p:style>
+        <p:txBody>
+          <a:bodyPr rtlCol="0" anchor="ctr"/>
+          <a:lstStyle/>
+          <a:p>
+            <a:pPr algn="ctr"/>
+            <a:endParaRPr lang="en-US"/>
+          </a:p>
+        </p:txBody>
+      </p:sp>
+      <p:sp>
+        <p:nvSpPr>
+          <p:cNvPr id="11" name="Oval 10">
+            <a:extLst>
+              <a:ext uri="{FF2B5EF4-FFF2-40B4-BE49-F238E27FC236}">
+                <a16:creationId xmlns:a16="http://schemas.microsoft.com/office/drawing/2014/main" id="{28557ACE-DA9B-4D73-9CAC-956E52A2064A}"/>
+              </a:ext>
+            </a:extLst>
+          </p:cNvPr>
+          <p:cNvSpPr/>
+          <p:nvPr/>
+        </p:nvSpPr>
+        <p:spPr>
+          <a:xfrm>
+            <a:off x="7718612" y="2788860"/>
+            <a:ext cx="1129553" cy="618565"/>
+          </a:xfrm>
+          <a:prstGeom prst="ellipse">
+            <a:avLst/>
+          </a:prstGeom>
+        </p:spPr>
+        <p:style>
+          <a:lnRef idx="1">
+            <a:schemeClr val="accent2"/>
+          </a:lnRef>
+          <a:fillRef idx="2">
+            <a:schemeClr val="accent2"/>
+          </a:fillRef>
+          <a:effectRef idx="1">
+            <a:schemeClr val="accent2"/>
+          </a:effectRef>
+          <a:fontRef idx="minor">
+            <a:schemeClr val="dk1"/>
+          </a:fontRef>
+        </p:style>
+        <p:txBody>
+          <a:bodyPr rtlCol="0" anchor="ctr"/>
+          <a:lstStyle/>
+          <a:p>
+            <a:pPr algn="ctr"/>
+            <a:endParaRPr lang="en-US">
+              <a:ln w="0"/>
+              <a:solidFill>
+                <a:schemeClr val="tx1"/>
+              </a:solidFill>
+              <a:effectLst>
+                <a:outerShdw blurRad="38100" dist="19050" dir="2700000" algn="tl" rotWithShape="0">
+                  <a:schemeClr val="dk1">
+                    <a:alpha val="40000"/>
+                  </a:schemeClr>
+                </a:outerShdw>
+              </a:effectLst>
+            </a:endParaRPr>
+          </a:p>
+        </p:txBody>
+      </p:sp>
+      <p:sp>
+        <p:nvSpPr>
+          <p:cNvPr id="12" name="TextBox 11">
+            <a:extLst>
+              <a:ext uri="{FF2B5EF4-FFF2-40B4-BE49-F238E27FC236}">
+                <a16:creationId xmlns:a16="http://schemas.microsoft.com/office/drawing/2014/main" id="{85DB4366-2FE9-49E7-BF85-3F49329AB8A5}"/>
+              </a:ext>
+            </a:extLst>
+          </p:cNvPr>
+          <p:cNvSpPr txBox="1"/>
+          <p:nvPr/>
+        </p:nvSpPr>
+        <p:spPr>
+          <a:xfrm>
+            <a:off x="7897906" y="2836532"/>
+            <a:ext cx="824753" cy="523220"/>
+          </a:xfrm>
+          <a:prstGeom prst="rect">
+            <a:avLst/>
+          </a:prstGeom>
+          <a:noFill/>
+        </p:spPr>
+        <p:txBody>
+          <a:bodyPr wrap="square" rtlCol="0">
+            <a:spAutoFit/>
+          </a:bodyPr>
+          <a:lstStyle/>
+          <a:p>
+            <a:r>
+              <a:rPr lang="en-US" sz="1400" dirty="0"/>
+              <a:t>Framework</a:t>
+            </a:r>
+          </a:p>
+        </p:txBody>
+      </p:sp>
+      <p:sp>
+        <p:nvSpPr>
+          <p:cNvPr id="13" name="Arrow: Left 12">
+            <a:extLst>
+              <a:ext uri="{FF2B5EF4-FFF2-40B4-BE49-F238E27FC236}">
+                <a16:creationId xmlns:a16="http://schemas.microsoft.com/office/drawing/2014/main" id="{5A15B3A2-9833-4493-91E8-D0D722554E52}"/>
+              </a:ext>
+            </a:extLst>
+          </p:cNvPr>
+          <p:cNvSpPr/>
+          <p:nvPr/>
+        </p:nvSpPr>
+        <p:spPr>
+          <a:xfrm>
+            <a:off x="3370729" y="3272118"/>
+            <a:ext cx="1541930" cy="156882"/>
+          </a:xfrm>
+          <a:prstGeom prst="leftArrow">
+            <a:avLst/>
+          </a:prstGeom>
+        </p:spPr>
+        <p:style>
+          <a:lnRef idx="2">
+            <a:schemeClr val="accent1">
+              <a:shade val="50000"/>
+            </a:schemeClr>
+          </a:lnRef>
+          <a:fillRef idx="1">
+            <a:schemeClr val="accent1"/>
+          </a:fillRef>
+          <a:effectRef idx="0">
+            <a:schemeClr val="accent1"/>
+          </a:effectRef>
+          <a:fontRef idx="minor">
+            <a:schemeClr val="lt1"/>
+          </a:fontRef>
+        </p:style>
+        <p:txBody>
+          <a:bodyPr rtlCol="0" anchor="ctr"/>
+          <a:lstStyle/>
+          <a:p>
+            <a:pPr algn="ctr"/>
+            <a:endParaRPr lang="en-US"/>
+          </a:p>
+        </p:txBody>
+      </p:sp>
+      <p:sp>
+        <p:nvSpPr>
+          <p:cNvPr id="14" name="Rectangle: Rounded Corners 13">
+            <a:extLst>
+              <a:ext uri="{FF2B5EF4-FFF2-40B4-BE49-F238E27FC236}">
+                <a16:creationId xmlns:a16="http://schemas.microsoft.com/office/drawing/2014/main" id="{918059F7-1B16-4B38-AB8B-4F6B868E8FAA}"/>
+              </a:ext>
+            </a:extLst>
+          </p:cNvPr>
+          <p:cNvSpPr/>
+          <p:nvPr/>
+        </p:nvSpPr>
+        <p:spPr>
+          <a:xfrm>
+            <a:off x="2321859" y="3038697"/>
+            <a:ext cx="1048870" cy="527243"/>
+          </a:xfrm>
+          <a:prstGeom prst="roundRect">
+            <a:avLst/>
+          </a:prstGeom>
+        </p:spPr>
+        <p:style>
+          <a:lnRef idx="1">
+            <a:schemeClr val="accent2"/>
+          </a:lnRef>
+          <a:fillRef idx="2">
+            <a:schemeClr val="accent2"/>
+          </a:fillRef>
+          <a:effectRef idx="1">
+            <a:schemeClr val="accent2"/>
+          </a:effectRef>
+          <a:fontRef idx="minor">
+            <a:schemeClr val="dk1"/>
+          </a:fontRef>
+        </p:style>
+        <p:txBody>
+          <a:bodyPr rtlCol="0" anchor="ctr"/>
+          <a:lstStyle/>
+          <a:p>
+            <a:pPr algn="ctr"/>
+            <a:endParaRPr lang="en-US">
+              <a:ln w="0"/>
+              <a:solidFill>
+                <a:schemeClr val="tx1"/>
+              </a:solidFill>
+              <a:effectLst>
+                <a:outerShdw blurRad="38100" dist="19050" dir="2700000" algn="tl" rotWithShape="0">
+                  <a:schemeClr val="dk1">
+                    <a:alpha val="40000"/>
+                  </a:schemeClr>
+                </a:outerShdw>
+              </a:effectLst>
+            </a:endParaRPr>
+          </a:p>
+        </p:txBody>
+      </p:sp>
+      <p:sp>
+        <p:nvSpPr>
+          <p:cNvPr id="15" name="TextBox 14">
+            <a:extLst>
+              <a:ext uri="{FF2B5EF4-FFF2-40B4-BE49-F238E27FC236}">
+                <a16:creationId xmlns:a16="http://schemas.microsoft.com/office/drawing/2014/main" id="{A7F1095E-FDD0-4A85-9F30-70E15C80AFD9}"/>
+              </a:ext>
+            </a:extLst>
+          </p:cNvPr>
+          <p:cNvSpPr txBox="1"/>
+          <p:nvPr/>
+        </p:nvSpPr>
+        <p:spPr>
+          <a:xfrm>
+            <a:off x="2366682" y="3010508"/>
+            <a:ext cx="878541" cy="523220"/>
+          </a:xfrm>
+          <a:prstGeom prst="rect">
+            <a:avLst/>
+          </a:prstGeom>
+          <a:noFill/>
+        </p:spPr>
+        <p:txBody>
+          <a:bodyPr wrap="square" rtlCol="0">
+            <a:spAutoFit/>
+          </a:bodyPr>
+          <a:lstStyle/>
+          <a:p>
+            <a:r>
+              <a:rPr lang="en-US" sz="1400" dirty="0"/>
+              <a:t>Text / Input</a:t>
+            </a:r>
+          </a:p>
+        </p:txBody>
+      </p:sp>
+      <p:sp>
+        <p:nvSpPr>
+          <p:cNvPr id="17" name="Hexagon 16">
+            <a:extLst>
+              <a:ext uri="{FF2B5EF4-FFF2-40B4-BE49-F238E27FC236}">
+                <a16:creationId xmlns:a16="http://schemas.microsoft.com/office/drawing/2014/main" id="{BED77F7A-887F-463D-8FBE-46342CE5DB7F}"/>
+              </a:ext>
+            </a:extLst>
+          </p:cNvPr>
+          <p:cNvSpPr/>
+          <p:nvPr/>
+        </p:nvSpPr>
+        <p:spPr>
+          <a:xfrm>
+            <a:off x="4257419" y="5593956"/>
+            <a:ext cx="1359376" cy="858981"/>
+          </a:xfrm>
+          <a:prstGeom prst="hexagon">
+            <a:avLst/>
+          </a:prstGeom>
+        </p:spPr>
+        <p:style>
+          <a:lnRef idx="3">
+            <a:schemeClr val="lt1"/>
+          </a:lnRef>
+          <a:fillRef idx="1">
+            <a:schemeClr val="accent2"/>
+          </a:fillRef>
+          <a:effectRef idx="1">
+            <a:schemeClr val="accent2"/>
+          </a:effectRef>
+          <a:fontRef idx="minor">
+            <a:schemeClr val="lt1"/>
+          </a:fontRef>
+        </p:style>
+        <p:txBody>
+          <a:bodyPr rtlCol="0" anchor="ctr"/>
+          <a:lstStyle/>
+          <a:p>
+            <a:pPr algn="ctr"/>
+            <a:endParaRPr lang="en-US">
+              <a:ln w="0"/>
+              <a:solidFill>
+                <a:schemeClr val="tx1"/>
+              </a:solidFill>
+              <a:effectLst>
+                <a:outerShdw blurRad="38100" dist="19050" dir="2700000" algn="tl" rotWithShape="0">
+                  <a:schemeClr val="dk1">
+                    <a:alpha val="40000"/>
+                  </a:schemeClr>
+                </a:outerShdw>
+              </a:effectLst>
+            </a:endParaRPr>
+          </a:p>
+        </p:txBody>
+      </p:sp>
+      <p:sp>
+        <p:nvSpPr>
+          <p:cNvPr id="18" name="Arrow: Down 17">
+            <a:extLst>
+              <a:ext uri="{FF2B5EF4-FFF2-40B4-BE49-F238E27FC236}">
+                <a16:creationId xmlns:a16="http://schemas.microsoft.com/office/drawing/2014/main" id="{CCBDAA4D-F787-4B86-B22E-7C4F30653182}"/>
+              </a:ext>
+            </a:extLst>
+          </p:cNvPr>
+          <p:cNvSpPr/>
+          <p:nvPr/>
+        </p:nvSpPr>
+        <p:spPr>
+          <a:xfrm>
+            <a:off x="4807527" y="4738255"/>
+            <a:ext cx="207818" cy="858981"/>
+          </a:xfrm>
+          <a:prstGeom prst="downArrow">
+            <a:avLst/>
+          </a:prstGeom>
+        </p:spPr>
+        <p:style>
+          <a:lnRef idx="2">
+            <a:schemeClr val="accent1">
+              <a:shade val="50000"/>
+            </a:schemeClr>
+          </a:lnRef>
+          <a:fillRef idx="1">
+            <a:schemeClr val="accent1"/>
+          </a:fillRef>
+          <a:effectRef idx="0">
+            <a:schemeClr val="accent1"/>
+          </a:effectRef>
+          <a:fontRef idx="minor">
+            <a:schemeClr val="lt1"/>
+          </a:fontRef>
+        </p:style>
+        <p:txBody>
+          <a:bodyPr rtlCol="0" anchor="ctr"/>
+          <a:lstStyle/>
+          <a:p>
+            <a:pPr algn="ctr"/>
+            <a:endParaRPr lang="en-US"/>
+          </a:p>
+        </p:txBody>
+      </p:sp>
+      <p:sp>
+        <p:nvSpPr>
+          <p:cNvPr id="19" name="TextBox 18">
+            <a:extLst>
+              <a:ext uri="{FF2B5EF4-FFF2-40B4-BE49-F238E27FC236}">
+                <a16:creationId xmlns:a16="http://schemas.microsoft.com/office/drawing/2014/main" id="{EDB586E1-33F7-4212-B522-8392AC4A6A5E}"/>
+              </a:ext>
+            </a:extLst>
+          </p:cNvPr>
+          <p:cNvSpPr txBox="1"/>
+          <p:nvPr/>
+        </p:nvSpPr>
+        <p:spPr>
+          <a:xfrm>
+            <a:off x="4374776" y="5700280"/>
+            <a:ext cx="1177636" cy="646331"/>
+          </a:xfrm>
+          <a:prstGeom prst="rect">
+            <a:avLst/>
+          </a:prstGeom>
+          <a:noFill/>
+        </p:spPr>
+        <p:txBody>
+          <a:bodyPr wrap="square" rtlCol="0">
+            <a:spAutoFit/>
+          </a:bodyPr>
+          <a:lstStyle/>
+          <a:p>
+            <a:r>
+              <a:rPr lang="en-US" dirty="0"/>
+              <a:t>Clickable buttons</a:t>
+            </a:r>
+          </a:p>
+        </p:txBody>
+      </p:sp>
+    </p:spTree>
+    <p:extLst>
+      <p:ext uri="{BB962C8B-B14F-4D97-AF65-F5344CB8AC3E}">
+        <p14:creationId xmlns:p14="http://schemas.microsoft.com/office/powerpoint/2010/main" val="4026455951"/>
+      </p:ext>
+    </p:extLst>
+  </p:cSld>
+  <p:clrMapOvr>
+    <a:masterClrMapping/>
+  </p:clrMapOvr>
+</p:sld>
+</file>
+
+<file path=ppt/slides/slide7.xml><?xml version="1.0" encoding="utf-8"?>
+<p:sld xmlns:a="http://schemas.openxmlformats.org/drawingml/2006/main" xmlns:r="http://schemas.openxmlformats.org/officeDocument/2006/relationships" xmlns:p="http://schemas.openxmlformats.org/presentationml/2006/main">
+  <p:cSld>
+    <p:bg>
+      <p:bgPr>
+        <a:solidFill>
+          <a:schemeClr val="bg1"/>
+        </a:solidFill>
+        <a:effectLst/>
+      </p:bgPr>
+    </p:bg>
+    <p:spTree>
+      <p:nvGrpSpPr>
+        <p:cNvPr id="1" name=""/>
+        <p:cNvGrpSpPr/>
+        <p:nvPr/>
+      </p:nvGrpSpPr>
+      <p:grpSpPr>
+        <a:xfrm>
+          <a:off x="0" y="0"/>
+          <a:ext cx="0" cy="0"/>
+          <a:chOff x="0" y="0"/>
+          <a:chExt cx="0" cy="0"/>
+        </a:xfrm>
+      </p:grpSpPr>
+      <p:sp>
+        <p:nvSpPr>
+          <p:cNvPr id="2" name="Title 1">
+            <a:extLst>
+              <a:ext uri="{FF2B5EF4-FFF2-40B4-BE49-F238E27FC236}">
+                <a16:creationId xmlns:a16="http://schemas.microsoft.com/office/drawing/2014/main" id="{894CD44D-302D-40DC-9012-614B0C916F1C}"/>
+              </a:ext>
+            </a:extLst>
+          </p:cNvPr>
+          <p:cNvSpPr>
+            <a:spLocks noGrp="1"/>
+          </p:cNvSpPr>
+          <p:nvPr>
+            <p:ph type="title"/>
+          </p:nvPr>
+        </p:nvSpPr>
+        <p:spPr>
+          <a:xfrm>
+            <a:off x="1261872" y="365760"/>
+            <a:ext cx="9692640" cy="1325562"/>
+          </a:xfrm>
+        </p:spPr>
+        <p:txBody>
+          <a:bodyPr>
+            <a:normAutofit/>
+          </a:bodyPr>
+          <a:lstStyle/>
+          <a:p>
+            <a:r>
+              <a:rPr lang="en-US"/>
+              <a:t>GUI RESPONSIVENESS</a:t>
+            </a:r>
+            <a:endParaRPr lang="en-US" dirty="0"/>
+          </a:p>
+        </p:txBody>
+      </p:sp>
+      <p:sp>
+        <p:nvSpPr>
+          <p:cNvPr id="3" name="Content Placeholder 2">
+            <a:extLst>
+              <a:ext uri="{FF2B5EF4-FFF2-40B4-BE49-F238E27FC236}">
+                <a16:creationId xmlns:a16="http://schemas.microsoft.com/office/drawing/2014/main" id="{DED9EFCE-CDED-464D-BE4D-D06035DF30A0}"/>
+              </a:ext>
+            </a:extLst>
+          </p:cNvPr>
+          <p:cNvSpPr>
+            <a:spLocks noGrp="1"/>
+          </p:cNvSpPr>
+          <p:nvPr>
+            <p:ph idx="1"/>
+          </p:nvPr>
+        </p:nvSpPr>
+        <p:spPr>
+          <a:xfrm>
+            <a:off x="1261872" y="1933575"/>
+            <a:ext cx="4401509" cy="4246562"/>
+          </a:xfrm>
+        </p:spPr>
+        <p:txBody>
+          <a:bodyPr>
+            <a:normAutofit/>
+          </a:bodyPr>
+          <a:lstStyle/>
+          <a:p>
+            <a:r>
+              <a:rPr lang="en-US" dirty="0"/>
+              <a:t>The GUI is made responsive such that however the user wants to interact with the application, its UI will always be convenient for the user.</a:t>
+            </a:r>
+          </a:p>
+          <a:p>
+            <a:r>
+              <a:rPr lang="en-US" dirty="0"/>
+              <a:t>However, in our case, it’s not that much responsive because if we manually increase the size of the output window (Framework), the window will spread, and our UI will look ugly. Since it’s an advanced topic, so, it’s not covered in this project.</a:t>
+            </a:r>
+          </a:p>
+          <a:p>
+            <a:endParaRPr lang="en-US" dirty="0"/>
+          </a:p>
+        </p:txBody>
+      </p:sp>
+      <p:pic>
+        <p:nvPicPr>
+          <p:cNvPr id="5" name="Picture 4">
+            <a:extLst>
+              <a:ext uri="{FF2B5EF4-FFF2-40B4-BE49-F238E27FC236}">
+                <a16:creationId xmlns:a16="http://schemas.microsoft.com/office/drawing/2014/main" id="{95C79AC1-497E-4184-8CC3-6BEA4AFE422C}"/>
+              </a:ext>
+            </a:extLst>
+          </p:cNvPr>
+          <p:cNvPicPr>
+            <a:picLocks noChangeAspect="1"/>
+          </p:cNvPicPr>
+          <p:nvPr/>
+        </p:nvPicPr>
+        <p:blipFill>
+          <a:blip r:embed="rId2"/>
+          <a:stretch>
+            <a:fillRect/>
+          </a:stretch>
+        </p:blipFill>
+        <p:spPr>
+          <a:xfrm>
+            <a:off x="6095999" y="2847450"/>
+            <a:ext cx="4807287" cy="1812122"/>
+          </a:xfrm>
+          <a:prstGeom prst="rect">
+            <a:avLst/>
+          </a:prstGeom>
+        </p:spPr>
+      </p:pic>
+    </p:spTree>
+    <p:extLst>
+      <p:ext uri="{BB962C8B-B14F-4D97-AF65-F5344CB8AC3E}">
+        <p14:creationId xmlns:p14="http://schemas.microsoft.com/office/powerpoint/2010/main" val="3683458695"/>
+      </p:ext>
+    </p:extLst>
+  </p:cSld>
+  <p:clrMapOvr>
+    <a:masterClrMapping/>
+  </p:clrMapOvr>
+</p:sld>
+</file>
+
+<file path=ppt/slides/slide8.xml><?xml version="1.0" encoding="utf-8"?>
+<p:sld xmlns:a="http://schemas.openxmlformats.org/drawingml/2006/main" xmlns:r="http://schemas.openxmlformats.org/officeDocument/2006/relationships" xmlns:p="http://schemas.openxmlformats.org/presentationml/2006/main">
+  <p:cSld>
+    <p:spTree>
+      <p:nvGrpSpPr>
+        <p:cNvPr id="1" name=""/>
+        <p:cNvGrpSpPr/>
+        <p:nvPr/>
+      </p:nvGrpSpPr>
+      <p:grpSpPr>
+        <a:xfrm>
+          <a:off x="0" y="0"/>
+          <a:ext cx="0" cy="0"/>
+          <a:chOff x="0" y="0"/>
+          <a:chExt cx="0" cy="0"/>
+        </a:xfrm>
+      </p:grpSpPr>
+      <p:sp>
+        <p:nvSpPr>
+          <p:cNvPr id="2" name="Title 1">
+            <a:extLst>
+              <a:ext uri="{FF2B5EF4-FFF2-40B4-BE49-F238E27FC236}">
+                <a16:creationId xmlns:a16="http://schemas.microsoft.com/office/drawing/2014/main" id="{E975EED7-AFFB-46F7-AE74-FD51C600A184}"/>
+              </a:ext>
+            </a:extLst>
+          </p:cNvPr>
+          <p:cNvSpPr>
+            <a:spLocks noGrp="1"/>
+          </p:cNvSpPr>
+          <p:nvPr>
+            <p:ph type="title"/>
+          </p:nvPr>
+        </p:nvSpPr>
+        <p:spPr/>
+        <p:txBody>
+          <a:bodyPr/>
+          <a:lstStyle/>
+          <a:p>
+            <a:r>
+              <a:rPr lang="en-US" dirty="0"/>
+              <a:t>CALCULATOR MODIFIED CODE</a:t>
+            </a:r>
+          </a:p>
+        </p:txBody>
+      </p:sp>
+      <p:sp>
+        <p:nvSpPr>
+          <p:cNvPr id="3" name="Content Placeholder 2">
+            <a:extLst>
+              <a:ext uri="{FF2B5EF4-FFF2-40B4-BE49-F238E27FC236}">
+                <a16:creationId xmlns:a16="http://schemas.microsoft.com/office/drawing/2014/main" id="{526700AC-B730-4B6D-966E-3CEC25B3437B}"/>
+              </a:ext>
+            </a:extLst>
+          </p:cNvPr>
+          <p:cNvSpPr>
+            <a:spLocks noGrp="1"/>
+          </p:cNvSpPr>
+          <p:nvPr>
+            <p:ph idx="1"/>
+          </p:nvPr>
+        </p:nvSpPr>
+        <p:spPr/>
+        <p:txBody>
+          <a:bodyPr/>
+          <a:lstStyle/>
+          <a:p>
+            <a:r>
+              <a:rPr lang="en-US" dirty="0"/>
+              <a:t>The source code, the modified version, of the whole program is provided here.</a:t>
+            </a:r>
+          </a:p>
+          <a:p>
+            <a:r>
+              <a:rPr lang="en-US" dirty="0">
+                <a:hlinkClick r:id="rId2"/>
+              </a:rPr>
+              <a:t>https://github.com/JealousGx/oop-simple-calculator</a:t>
+            </a:r>
+            <a:endParaRPr lang="en-US" dirty="0"/>
+          </a:p>
+          <a:p>
+            <a:r>
+              <a:rPr lang="en-US" dirty="0"/>
+              <a:t>The preceding link contains this presentation, the output and, the code itself.</a:t>
+            </a:r>
+          </a:p>
+          <a:p>
+            <a:r>
+              <a:rPr lang="en-US" dirty="0"/>
+              <a:t>The source code, the first copy, of the whole program is also provided here.</a:t>
+            </a:r>
+          </a:p>
+          <a:p>
+            <a:r>
+              <a:rPr lang="en-US" b="0" i="1" dirty="0">
+                <a:solidFill>
+                  <a:srgbClr val="676E95"/>
+                </a:solidFill>
+                <a:effectLst/>
+                <a:latin typeface="Fira Code" panose="020B0809050000020004" pitchFamily="49" charset="0"/>
+                <a:hlinkClick r:id="rId3"/>
+              </a:rPr>
+              <a:t>https://www.geeksforgeeks.org/java-swing-simple-calculator/</a:t>
+            </a:r>
+            <a:endParaRPr lang="en-US" b="0" i="1" dirty="0">
+              <a:solidFill>
+                <a:srgbClr val="676E95"/>
+              </a:solidFill>
+              <a:effectLst/>
+              <a:latin typeface="Fira Code" panose="020B0809050000020004" pitchFamily="49" charset="0"/>
+            </a:endParaRPr>
+          </a:p>
+          <a:p>
+            <a:r>
+              <a:rPr lang="en-US" dirty="0"/>
+              <a:t>The is where I got the code from and then modified it myself as per my convenience. </a:t>
+            </a:r>
+          </a:p>
+        </p:txBody>
+      </p:sp>
+    </p:spTree>
+    <p:extLst>
+      <p:ext uri="{BB962C8B-B14F-4D97-AF65-F5344CB8AC3E}">
+        <p14:creationId xmlns:p14="http://schemas.microsoft.com/office/powerpoint/2010/main" val="3916636194"/>
       </p:ext>
     </p:extLst>
   </p:cSld>
@@ -3847,4 +5487,299 @@
     </a:ext>
   </a:extLst>
 </a:theme>
+</file>
+
+<file path=ppt/theme/theme2.xml><?xml version="1.0" encoding="utf-8"?>
+<a:theme xmlns:a="http://schemas.openxmlformats.org/drawingml/2006/main" name="Office Theme">
+  <a:themeElements>
+    <a:clrScheme name="Office">
+      <a:dk1>
+        <a:sysClr val="windowText" lastClr="000000"/>
+      </a:dk1>
+      <a:lt1>
+        <a:sysClr val="window" lastClr="FFFFFF"/>
+      </a:lt1>
+      <a:dk2>
+        <a:srgbClr val="44546A"/>
+      </a:dk2>
+      <a:lt2>
+        <a:srgbClr val="E7E6E6"/>
+      </a:lt2>
+      <a:accent1>
+        <a:srgbClr val="4472C4"/>
+      </a:accent1>
+      <a:accent2>
+        <a:srgbClr val="ED7D31"/>
+      </a:accent2>
+      <a:accent3>
+        <a:srgbClr val="A5A5A5"/>
+      </a:accent3>
+      <a:accent4>
+        <a:srgbClr val="FFC000"/>
+      </a:accent4>
+      <a:accent5>
+        <a:srgbClr val="5B9BD5"/>
+      </a:accent5>
+      <a:accent6>
+        <a:srgbClr val="70AD47"/>
+      </a:accent6>
+      <a:hlink>
+        <a:srgbClr val="0563C1"/>
+      </a:hlink>
+      <a:folHlink>
+        <a:srgbClr val="954F72"/>
+      </a:folHlink>
+    </a:clrScheme>
+    <a:fontScheme name="Office">
+      <a:majorFont>
+        <a:latin typeface="Calibri Light" panose="020F0302020204030204"/>
+        <a:ea typeface=""/>
+        <a:cs typeface=""/>
+        <a:font script="Jpan" typeface="游ゴシック Light"/>
+        <a:font script="Hang" typeface="맑은 고딕"/>
+        <a:font script="Hans" typeface="等线 Light"/>
+        <a:font script="Hant" typeface="新細明體"/>
+        <a:font script="Arab" typeface="Times New Roman"/>
+        <a:font script="Hebr" typeface="Times New Roman"/>
+        <a:font script="Thai" typeface="Angsana New"/>
+        <a:font script="Ethi" typeface="Nyala"/>
+        <a:font script="Beng" typeface="Vrinda"/>
+        <a:font script="Gujr" typeface="Shruti"/>
+        <a:font script="Khmr" typeface="MoolBoran"/>
+        <a:font script="Knda" typeface="Tunga"/>
+        <a:font script="Guru" typeface="Raavi"/>
+        <a:font script="Cans" typeface="Euphemia"/>
+        <a:font script="Cher" typeface="Plantagenet Cherokee"/>
+        <a:font script="Yiii" typeface="Microsoft Yi Baiti"/>
+        <a:font script="Tibt" typeface="Microsoft Himalaya"/>
+        <a:font script="Thaa" typeface="MV Boli"/>
+        <a:font script="Deva" typeface="Mangal"/>
+        <a:font script="Telu" typeface="Gautami"/>
+        <a:font script="Taml" typeface="Latha"/>
+        <a:font script="Syrc" typeface="Estrangelo Edessa"/>
+        <a:font script="Orya" typeface="Kalinga"/>
+        <a:font script="Mlym" typeface="Kartika"/>
+        <a:font script="Laoo" typeface="DokChampa"/>
+        <a:font script="Sinh" typeface="Iskoola Pota"/>
+        <a:font script="Mong" typeface="Mongolian Baiti"/>
+        <a:font script="Viet" typeface="Times New Roman"/>
+        <a:font script="Uigh" typeface="Microsoft Uighur"/>
+        <a:font script="Geor" typeface="Sylfaen"/>
+        <a:font script="Armn" typeface="Arial"/>
+        <a:font script="Bugi" typeface="Leelawadee UI"/>
+        <a:font script="Bopo" typeface="Microsoft JhengHei"/>
+        <a:font script="Java" typeface="Javanese Text"/>
+        <a:font script="Lisu" typeface="Segoe UI"/>
+        <a:font script="Mymr" typeface="Myanmar Text"/>
+        <a:font script="Nkoo" typeface="Ebrima"/>
+        <a:font script="Olck" typeface="Nirmala UI"/>
+        <a:font script="Osma" typeface="Ebrima"/>
+        <a:font script="Phag" typeface="Phagspa"/>
+        <a:font script="Syrn" typeface="Estrangelo Edessa"/>
+        <a:font script="Syrj" typeface="Estrangelo Edessa"/>
+        <a:font script="Syre" typeface="Estrangelo Edessa"/>
+        <a:font script="Sora" typeface="Nirmala UI"/>
+        <a:font script="Tale" typeface="Microsoft Tai Le"/>
+        <a:font script="Talu" typeface="Microsoft New Tai Lue"/>
+        <a:font script="Tfng" typeface="Ebrima"/>
+      </a:majorFont>
+      <a:minorFont>
+        <a:latin typeface="Calibri" panose="020F0502020204030204"/>
+        <a:ea typeface=""/>
+        <a:cs typeface=""/>
+        <a:font script="Jpan" typeface="游ゴシック"/>
+        <a:font script="Hang" typeface="맑은 고딕"/>
+        <a:font script="Hans" typeface="等线"/>
+        <a:font script="Hant" typeface="新細明體"/>
+        <a:font script="Arab" typeface="Arial"/>
+        <a:font script="Hebr" typeface="Arial"/>
+        <a:font script="Thai" typeface="Cordia New"/>
+        <a:font script="Ethi" typeface="Nyala"/>
+        <a:font script="Beng" typeface="Vrinda"/>
+        <a:font script="Gujr" typeface="Shruti"/>
+        <a:font script="Khmr" typeface="DaunPenh"/>
+        <a:font script="Knda" typeface="Tunga"/>
+        <a:font script="Guru" typeface="Raavi"/>
+        <a:font script="Cans" typeface="Euphemia"/>
+        <a:font script="Cher" typeface="Plantagenet Cherokee"/>
+        <a:font script="Yiii" typeface="Microsoft Yi Baiti"/>
+        <a:font script="Tibt" typeface="Microsoft Himalaya"/>
+        <a:font script="Thaa" typeface="MV Boli"/>
+        <a:font script="Deva" typeface="Mangal"/>
+        <a:font script="Telu" typeface="Gautami"/>
+        <a:font script="Taml" typeface="Latha"/>
+        <a:font script="Syrc" typeface="Estrangelo Edessa"/>
+        <a:font script="Orya" typeface="Kalinga"/>
+        <a:font script="Mlym" typeface="Kartika"/>
+        <a:font script="Laoo" typeface="DokChampa"/>
+        <a:font script="Sinh" typeface="Iskoola Pota"/>
+        <a:font script="Mong" typeface="Mongolian Baiti"/>
+        <a:font script="Viet" typeface="Arial"/>
+        <a:font script="Uigh" typeface="Microsoft Uighur"/>
+        <a:font script="Geor" typeface="Sylfaen"/>
+        <a:font script="Armn" typeface="Arial"/>
+        <a:font script="Bugi" typeface="Leelawadee UI"/>
+        <a:font script="Bopo" typeface="Microsoft JhengHei"/>
+        <a:font script="Java" typeface="Javanese Text"/>
+        <a:font script="Lisu" typeface="Segoe UI"/>
+        <a:font script="Mymr" typeface="Myanmar Text"/>
+        <a:font script="Nkoo" typeface="Ebrima"/>
+        <a:font script="Olck" typeface="Nirmala UI"/>
+        <a:font script="Osma" typeface="Ebrima"/>
+        <a:font script="Phag" typeface="Phagspa"/>
+        <a:font script="Syrn" typeface="Estrangelo Edessa"/>
+        <a:font script="Syrj" typeface="Estrangelo Edessa"/>
+        <a:font script="Syre" typeface="Estrangelo Edessa"/>
+        <a:font script="Sora" typeface="Nirmala UI"/>
+        <a:font script="Tale" typeface="Microsoft Tai Le"/>
+        <a:font script="Talu" typeface="Microsoft New Tai Lue"/>
+        <a:font script="Tfng" typeface="Ebrima"/>
+      </a:minorFont>
+    </a:fontScheme>
+    <a:fmtScheme name="Office">
+      <a:fillStyleLst>
+        <a:solidFill>
+          <a:schemeClr val="phClr"/>
+        </a:solidFill>
+        <a:gradFill rotWithShape="1">
+          <a:gsLst>
+            <a:gs pos="0">
+              <a:schemeClr val="phClr">
+                <a:lumMod val="110000"/>
+                <a:satMod val="105000"/>
+                <a:tint val="67000"/>
+              </a:schemeClr>
+            </a:gs>
+            <a:gs pos="50000">
+              <a:schemeClr val="phClr">
+                <a:lumMod val="105000"/>
+                <a:satMod val="103000"/>
+                <a:tint val="73000"/>
+              </a:schemeClr>
+            </a:gs>
+            <a:gs pos="100000">
+              <a:schemeClr val="phClr">
+                <a:lumMod val="105000"/>
+                <a:satMod val="109000"/>
+                <a:tint val="81000"/>
+              </a:schemeClr>
+            </a:gs>
+          </a:gsLst>
+          <a:lin ang="5400000" scaled="0"/>
+        </a:gradFill>
+        <a:gradFill rotWithShape="1">
+          <a:gsLst>
+            <a:gs pos="0">
+              <a:schemeClr val="phClr">
+                <a:satMod val="103000"/>
+                <a:lumMod val="102000"/>
+                <a:tint val="94000"/>
+              </a:schemeClr>
+            </a:gs>
+            <a:gs pos="50000">
+              <a:schemeClr val="phClr">
+                <a:satMod val="110000"/>
+                <a:lumMod val="100000"/>
+                <a:shade val="100000"/>
+              </a:schemeClr>
+            </a:gs>
+            <a:gs pos="100000">
+              <a:schemeClr val="phClr">
+                <a:lumMod val="99000"/>
+                <a:satMod val="120000"/>
+                <a:shade val="78000"/>
+              </a:schemeClr>
+            </a:gs>
+          </a:gsLst>
+          <a:lin ang="5400000" scaled="0"/>
+        </a:gradFill>
+      </a:fillStyleLst>
+      <a:lnStyleLst>
+        <a:ln w="6350" cap="flat" cmpd="sng" algn="ctr">
+          <a:solidFill>
+            <a:schemeClr val="phClr"/>
+          </a:solidFill>
+          <a:prstDash val="solid"/>
+          <a:miter lim="800000"/>
+        </a:ln>
+        <a:ln w="12700" cap="flat" cmpd="sng" algn="ctr">
+          <a:solidFill>
+            <a:schemeClr val="phClr"/>
+          </a:solidFill>
+          <a:prstDash val="solid"/>
+          <a:miter lim="800000"/>
+        </a:ln>
+        <a:ln w="19050" cap="flat" cmpd="sng" algn="ctr">
+          <a:solidFill>
+            <a:schemeClr val="phClr"/>
+          </a:solidFill>
+          <a:prstDash val="solid"/>
+          <a:miter lim="800000"/>
+        </a:ln>
+      </a:lnStyleLst>
+      <a:effectStyleLst>
+        <a:effectStyle>
+          <a:effectLst/>
+        </a:effectStyle>
+        <a:effectStyle>
+          <a:effectLst/>
+        </a:effectStyle>
+        <a:effectStyle>
+          <a:effectLst>
+            <a:outerShdw blurRad="57150" dist="19050" dir="5400000" algn="ctr" rotWithShape="0">
+              <a:srgbClr val="000000">
+                <a:alpha val="63000"/>
+              </a:srgbClr>
+            </a:outerShdw>
+          </a:effectLst>
+        </a:effectStyle>
+      </a:effectStyleLst>
+      <a:bgFillStyleLst>
+        <a:solidFill>
+          <a:schemeClr val="phClr"/>
+        </a:solidFill>
+        <a:solidFill>
+          <a:schemeClr val="phClr">
+            <a:tint val="95000"/>
+            <a:satMod val="170000"/>
+          </a:schemeClr>
+        </a:solidFill>
+        <a:gradFill rotWithShape="1">
+          <a:gsLst>
+            <a:gs pos="0">
+              <a:schemeClr val="phClr">
+                <a:tint val="93000"/>
+                <a:satMod val="150000"/>
+                <a:shade val="98000"/>
+                <a:lumMod val="102000"/>
+              </a:schemeClr>
+            </a:gs>
+            <a:gs pos="50000">
+              <a:schemeClr val="phClr">
+                <a:tint val="98000"/>
+                <a:satMod val="130000"/>
+                <a:shade val="90000"/>
+                <a:lumMod val="103000"/>
+              </a:schemeClr>
+            </a:gs>
+            <a:gs pos="100000">
+              <a:schemeClr val="phClr">
+                <a:shade val="63000"/>
+                <a:satMod val="120000"/>
+              </a:schemeClr>
+            </a:gs>
+          </a:gsLst>
+          <a:lin ang="5400000" scaled="0"/>
+        </a:gradFill>
+      </a:bgFillStyleLst>
+    </a:fmtScheme>
+  </a:themeElements>
+  <a:objectDefaults/>
+  <a:extraClrSchemeLst/>
+  <a:extLst>
+    <a:ext uri="{05A4C25C-085E-4340-85A3-A5531E510DB2}">
+      <thm15:themeFamily xmlns:thm15="http://schemas.microsoft.com/office/thememl/2012/main" name="Office Theme" id="{62F939B6-93AF-4DB8-9C6B-D6C7DFDC589F}" vid="{4A3C46E8-61CC-4603-A589-7422A47A8E4A}"/>
+    </a:ext>
+  </a:extLst>
+</a:theme>
 </file>